--- a/HandIn5/Normalisering PP.pptx
+++ b/HandIn5/Normalisering PP.pptx
@@ -109,6 +109,11 @@
       </a:defRPr>
     </a:lvl9pPr>
   </p:defaultTextStyle>
+  <p:extLst>
+    <p:ext uri="{EFAFB233-063F-42B5-8137-9DF3F51BA10A}">
+      <p15:sldGuideLst xmlns:p15="http://schemas.microsoft.com/office/powerpoint/2012/main"/>
+    </p:ext>
+  </p:extLst>
 </p:presentation>
 </file>
 
@@ -471,7 +476,7 @@
           </a:lstStyle>
           <a:p>
             <a:r>
-              <a:rPr lang="en-US" smtClean="0"/>
+              <a:rPr lang="en-US"/>
               <a:t>Click to edit Master title style</a:t>
             </a:r>
             <a:endParaRPr lang="en-US" dirty="0"/>
@@ -590,7 +595,7 @@
           </a:lstStyle>
           <a:p>
             <a:r>
-              <a:rPr lang="en-US" smtClean="0"/>
+              <a:rPr lang="en-US"/>
               <a:t>Click to edit Master subtitle style</a:t>
             </a:r>
             <a:endParaRPr lang="en-US" dirty="0"/>
@@ -614,7 +619,7 @@
           <a:p>
             <a:fld id="{9BB148B8-0FC1-408D-BBC1-33D0C804FDBC}" type="datetimeFigureOut">
               <a:rPr lang="da-DK" smtClean="0"/>
-              <a:t>12-12-2016</a:t>
+              <a:t>13-12-2016</a:t>
             </a:fld>
             <a:endParaRPr lang="da-DK"/>
           </a:p>
@@ -661,7 +666,7 @@
           <a:p>
             <a:fld id="{687775F7-D4DB-4C21-9B7B-4C9153F6F4A0}" type="slidenum">
               <a:rPr lang="da-DK" smtClean="0"/>
-              <a:t>‹#›</a:t>
+              <a:t>‹nr.›</a:t>
             </a:fld>
             <a:endParaRPr lang="da-DK"/>
           </a:p>
@@ -724,7 +729,7 @@
           </a:lstStyle>
           <a:p>
             <a:r>
-              <a:rPr lang="en-US" smtClean="0"/>
+              <a:rPr lang="en-US"/>
               <a:t>Click to edit Master title style</a:t>
             </a:r>
             <a:endParaRPr lang="en-US" dirty="0"/>
@@ -819,7 +824,7 @@
           </a:lstStyle>
           <a:p>
             <a:r>
-              <a:rPr lang="en-US" smtClean="0"/>
+              <a:rPr lang="en-US"/>
               <a:t>Click icon to add picture</a:t>
             </a:r>
             <a:endParaRPr lang="en-US" dirty="0"/>
@@ -887,7 +892,7 @@
           <a:p>
             <a:pPr lvl="0"/>
             <a:r>
-              <a:rPr lang="en-US" smtClean="0"/>
+              <a:rPr lang="en-US"/>
               <a:t>Click to edit Master text styles</a:t>
             </a:r>
           </a:p>
@@ -910,7 +915,7 @@
           <a:p>
             <a:fld id="{9BB148B8-0FC1-408D-BBC1-33D0C804FDBC}" type="datetimeFigureOut">
               <a:rPr lang="da-DK" smtClean="0"/>
-              <a:t>12-12-2016</a:t>
+              <a:t>13-12-2016</a:t>
             </a:fld>
             <a:endParaRPr lang="da-DK"/>
           </a:p>
@@ -952,7 +957,7 @@
           <a:p>
             <a:fld id="{687775F7-D4DB-4C21-9B7B-4C9153F6F4A0}" type="slidenum">
               <a:rPr lang="da-DK" smtClean="0"/>
-              <a:t>‹#›</a:t>
+              <a:t>‹nr.›</a:t>
             </a:fld>
             <a:endParaRPr lang="da-DK"/>
           </a:p>
@@ -1015,7 +1020,7 @@
           </a:lstStyle>
           <a:p>
             <a:r>
-              <a:rPr lang="en-US" smtClean="0"/>
+              <a:rPr lang="en-US"/>
               <a:t>Click to edit Master title style</a:t>
             </a:r>
             <a:endParaRPr lang="en-US" dirty="0"/>
@@ -1135,7 +1140,7 @@
           <a:p>
             <a:pPr lvl="0"/>
             <a:r>
-              <a:rPr lang="en-US" smtClean="0"/>
+              <a:rPr lang="en-US"/>
               <a:t>Click to edit Master text styles</a:t>
             </a:r>
           </a:p>
@@ -1158,7 +1163,7 @@
           <a:p>
             <a:fld id="{9BB148B8-0FC1-408D-BBC1-33D0C804FDBC}" type="datetimeFigureOut">
               <a:rPr lang="da-DK" smtClean="0"/>
-              <a:t>12-12-2016</a:t>
+              <a:t>13-12-2016</a:t>
             </a:fld>
             <a:endParaRPr lang="da-DK"/>
           </a:p>
@@ -1200,7 +1205,7 @@
           <a:p>
             <a:fld id="{687775F7-D4DB-4C21-9B7B-4C9153F6F4A0}" type="slidenum">
               <a:rPr lang="da-DK" smtClean="0"/>
-              <a:t>‹#›</a:t>
+              <a:t>‹nr.›</a:t>
             </a:fld>
             <a:endParaRPr lang="da-DK"/>
           </a:p>
@@ -1499,7 +1504,7 @@
           </a:lstStyle>
           <a:p>
             <a:r>
-              <a:rPr lang="en-US" smtClean="0"/>
+              <a:rPr lang="en-US"/>
               <a:t>Click to edit Master title style</a:t>
             </a:r>
             <a:endParaRPr lang="en-US" dirty="0"/>
@@ -1556,7 +1561,7 @@
           <a:p>
             <a:pPr lvl="0"/>
             <a:r>
-              <a:rPr lang="en-US" smtClean="0"/>
+              <a:rPr lang="en-US"/>
               <a:t>Click to edit Master text styles</a:t>
             </a:r>
           </a:p>
@@ -1675,7 +1680,7 @@
           <a:p>
             <a:pPr lvl="0"/>
             <a:r>
-              <a:rPr lang="en-US" smtClean="0"/>
+              <a:rPr lang="en-US"/>
               <a:t>Click to edit Master text styles</a:t>
             </a:r>
           </a:p>
@@ -1698,7 +1703,7 @@
           <a:p>
             <a:fld id="{9BB148B8-0FC1-408D-BBC1-33D0C804FDBC}" type="datetimeFigureOut">
               <a:rPr lang="da-DK" smtClean="0"/>
-              <a:t>12-12-2016</a:t>
+              <a:t>13-12-2016</a:t>
             </a:fld>
             <a:endParaRPr lang="da-DK"/>
           </a:p>
@@ -1740,7 +1745,7 @@
           <a:p>
             <a:fld id="{687775F7-D4DB-4C21-9B7B-4C9153F6F4A0}" type="slidenum">
               <a:rPr lang="da-DK" smtClean="0"/>
-              <a:t>‹#›</a:t>
+              <a:t>‹nr.›</a:t>
             </a:fld>
             <a:endParaRPr lang="da-DK"/>
           </a:p>
@@ -1803,7 +1808,7 @@
           </a:lstStyle>
           <a:p>
             <a:r>
-              <a:rPr lang="en-US" smtClean="0"/>
+              <a:rPr lang="en-US"/>
               <a:t>Click to edit Master title style</a:t>
             </a:r>
             <a:endParaRPr lang="en-US" dirty="0"/>
@@ -1923,7 +1928,7 @@
           <a:p>
             <a:pPr lvl="0"/>
             <a:r>
-              <a:rPr lang="en-US" smtClean="0"/>
+              <a:rPr lang="en-US"/>
               <a:t>Click to edit Master text styles</a:t>
             </a:r>
           </a:p>
@@ -1946,7 +1951,7 @@
           <a:p>
             <a:fld id="{9BB148B8-0FC1-408D-BBC1-33D0C804FDBC}" type="datetimeFigureOut">
               <a:rPr lang="da-DK" smtClean="0"/>
-              <a:t>12-12-2016</a:t>
+              <a:t>13-12-2016</a:t>
             </a:fld>
             <a:endParaRPr lang="da-DK"/>
           </a:p>
@@ -1988,7 +1993,7 @@
           <a:p>
             <a:fld id="{687775F7-D4DB-4C21-9B7B-4C9153F6F4A0}" type="slidenum">
               <a:rPr lang="da-DK" smtClean="0"/>
-              <a:t>‹#›</a:t>
+              <a:t>‹nr.›</a:t>
             </a:fld>
             <a:endParaRPr lang="da-DK"/>
           </a:p>
@@ -2287,7 +2292,7 @@
           </a:lstStyle>
           <a:p>
             <a:r>
-              <a:rPr lang="en-US" smtClean="0"/>
+              <a:rPr lang="en-US"/>
               <a:t>Click to edit Master title style</a:t>
             </a:r>
             <a:endParaRPr lang="en-US" dirty="0"/>
@@ -2336,7 +2341,7 @@
               <a:buNone/>
             </a:pPr>
             <a:r>
-              <a:rPr lang="en-US" smtClean="0"/>
+              <a:rPr lang="en-US"/>
               <a:t>Click to edit Master text styles</a:t>
             </a:r>
           </a:p>
@@ -2455,7 +2460,7 @@
           <a:p>
             <a:pPr lvl="0"/>
             <a:r>
-              <a:rPr lang="en-US" smtClean="0"/>
+              <a:rPr lang="en-US"/>
               <a:t>Click to edit Master text styles</a:t>
             </a:r>
           </a:p>
@@ -2478,7 +2483,7 @@
           <a:p>
             <a:fld id="{9BB148B8-0FC1-408D-BBC1-33D0C804FDBC}" type="datetimeFigureOut">
               <a:rPr lang="da-DK" smtClean="0"/>
-              <a:t>12-12-2016</a:t>
+              <a:t>13-12-2016</a:t>
             </a:fld>
             <a:endParaRPr lang="da-DK"/>
           </a:p>
@@ -2520,7 +2525,7 @@
           <a:p>
             <a:fld id="{687775F7-D4DB-4C21-9B7B-4C9153F6F4A0}" type="slidenum">
               <a:rPr lang="da-DK" smtClean="0"/>
-              <a:t>‹#›</a:t>
+              <a:t>‹nr.›</a:t>
             </a:fld>
             <a:endParaRPr lang="da-DK"/>
           </a:p>
@@ -2584,7 +2589,7 @@
           <a:p>
             <a:pPr marL="0" lvl="0"/>
             <a:r>
-              <a:rPr lang="en-US" smtClean="0"/>
+              <a:rPr lang="en-US"/>
               <a:t>Click to edit Master title style</a:t>
             </a:r>
             <a:endParaRPr lang="en-US" dirty="0"/>
@@ -2633,7 +2638,7 @@
               <a:buNone/>
             </a:pPr>
             <a:r>
-              <a:rPr lang="en-US" smtClean="0"/>
+              <a:rPr lang="en-US"/>
               <a:t>Click to edit Master text styles</a:t>
             </a:r>
           </a:p>
@@ -2752,7 +2757,7 @@
           <a:p>
             <a:pPr lvl="0"/>
             <a:r>
-              <a:rPr lang="en-US" smtClean="0"/>
+              <a:rPr lang="en-US"/>
               <a:t>Click to edit Master text styles</a:t>
             </a:r>
           </a:p>
@@ -2775,7 +2780,7 @@
           <a:p>
             <a:fld id="{9BB148B8-0FC1-408D-BBC1-33D0C804FDBC}" type="datetimeFigureOut">
               <a:rPr lang="da-DK" smtClean="0"/>
-              <a:t>12-12-2016</a:t>
+              <a:t>13-12-2016</a:t>
             </a:fld>
             <a:endParaRPr lang="da-DK"/>
           </a:p>
@@ -2817,7 +2822,7 @@
           <a:p>
             <a:fld id="{687775F7-D4DB-4C21-9B7B-4C9153F6F4A0}" type="slidenum">
               <a:rPr lang="da-DK" smtClean="0"/>
-              <a:t>‹#›</a:t>
+              <a:t>‹nr.›</a:t>
             </a:fld>
             <a:endParaRPr lang="da-DK"/>
           </a:p>
@@ -2873,7 +2878,7 @@
           </a:lstStyle>
           <a:p>
             <a:r>
-              <a:rPr lang="en-US" smtClean="0"/>
+              <a:rPr lang="en-US"/>
               <a:t>Click to edit Master title style</a:t>
             </a:r>
             <a:endParaRPr lang="en-US" dirty="0"/>
@@ -2897,35 +2902,35 @@
           <a:p>
             <a:pPr lvl="0"/>
             <a:r>
-              <a:rPr lang="en-US" smtClean="0"/>
+              <a:rPr lang="en-US"/>
               <a:t>Click to edit Master text styles</a:t>
             </a:r>
           </a:p>
           <a:p>
             <a:pPr lvl="1"/>
             <a:r>
-              <a:rPr lang="en-US" smtClean="0"/>
+              <a:rPr lang="en-US"/>
               <a:t>Second level</a:t>
             </a:r>
           </a:p>
           <a:p>
             <a:pPr lvl="2"/>
             <a:r>
-              <a:rPr lang="en-US" smtClean="0"/>
+              <a:rPr lang="en-US"/>
               <a:t>Third level</a:t>
             </a:r>
           </a:p>
           <a:p>
             <a:pPr lvl="3"/>
             <a:r>
-              <a:rPr lang="en-US" smtClean="0"/>
+              <a:rPr lang="en-US"/>
               <a:t>Fourth level</a:t>
             </a:r>
           </a:p>
           <a:p>
             <a:pPr lvl="4"/>
             <a:r>
-              <a:rPr lang="en-US" smtClean="0"/>
+              <a:rPr lang="en-US"/>
               <a:t>Fifth level</a:t>
             </a:r>
             <a:endParaRPr lang="en-US" dirty="0"/>
@@ -2949,7 +2954,7 @@
           <a:p>
             <a:fld id="{9BB148B8-0FC1-408D-BBC1-33D0C804FDBC}" type="datetimeFigureOut">
               <a:rPr lang="da-DK" smtClean="0"/>
-              <a:t>12-12-2016</a:t>
+              <a:t>13-12-2016</a:t>
             </a:fld>
             <a:endParaRPr lang="da-DK"/>
           </a:p>
@@ -2991,7 +2996,7 @@
           <a:p>
             <a:fld id="{687775F7-D4DB-4C21-9B7B-4C9153F6F4A0}" type="slidenum">
               <a:rPr lang="da-DK" smtClean="0"/>
-              <a:t>‹#›</a:t>
+              <a:t>‹nr.›</a:t>
             </a:fld>
             <a:endParaRPr lang="da-DK"/>
           </a:p>
@@ -3048,7 +3053,7 @@
           <a:lstStyle/>
           <a:p>
             <a:r>
-              <a:rPr lang="en-US" smtClean="0"/>
+              <a:rPr lang="en-US"/>
               <a:t>Click to edit Master title style</a:t>
             </a:r>
             <a:endParaRPr lang="en-US" dirty="0"/>
@@ -3077,35 +3082,35 @@
           <a:p>
             <a:pPr lvl="0"/>
             <a:r>
-              <a:rPr lang="en-US" smtClean="0"/>
+              <a:rPr lang="en-US"/>
               <a:t>Click to edit Master text styles</a:t>
             </a:r>
           </a:p>
           <a:p>
             <a:pPr lvl="1"/>
             <a:r>
-              <a:rPr lang="en-US" smtClean="0"/>
+              <a:rPr lang="en-US"/>
               <a:t>Second level</a:t>
             </a:r>
           </a:p>
           <a:p>
             <a:pPr lvl="2"/>
             <a:r>
-              <a:rPr lang="en-US" smtClean="0"/>
+              <a:rPr lang="en-US"/>
               <a:t>Third level</a:t>
             </a:r>
           </a:p>
           <a:p>
             <a:pPr lvl="3"/>
             <a:r>
-              <a:rPr lang="en-US" smtClean="0"/>
+              <a:rPr lang="en-US"/>
               <a:t>Fourth level</a:t>
             </a:r>
           </a:p>
           <a:p>
             <a:pPr lvl="4"/>
             <a:r>
-              <a:rPr lang="en-US" smtClean="0"/>
+              <a:rPr lang="en-US"/>
               <a:t>Fifth level</a:t>
             </a:r>
             <a:endParaRPr lang="en-US" dirty="0"/>
@@ -3129,7 +3134,7 @@
           <a:p>
             <a:fld id="{9BB148B8-0FC1-408D-BBC1-33D0C804FDBC}" type="datetimeFigureOut">
               <a:rPr lang="da-DK" smtClean="0"/>
-              <a:t>12-12-2016</a:t>
+              <a:t>13-12-2016</a:t>
             </a:fld>
             <a:endParaRPr lang="da-DK"/>
           </a:p>
@@ -3171,7 +3176,7 @@
           <a:p>
             <a:fld id="{687775F7-D4DB-4C21-9B7B-4C9153F6F4A0}" type="slidenum">
               <a:rPr lang="da-DK" smtClean="0"/>
-              <a:t>‹#›</a:t>
+              <a:t>‹nr.›</a:t>
             </a:fld>
             <a:endParaRPr lang="da-DK"/>
           </a:p>
@@ -3223,7 +3228,7 @@
           <a:lstStyle/>
           <a:p>
             <a:r>
-              <a:rPr lang="en-US" smtClean="0"/>
+              <a:rPr lang="en-US"/>
               <a:t>Click to edit Master title style</a:t>
             </a:r>
             <a:endParaRPr lang="en-US" dirty="0"/>
@@ -3247,35 +3252,35 @@
           <a:p>
             <a:pPr lvl="0"/>
             <a:r>
-              <a:rPr lang="en-US" smtClean="0"/>
+              <a:rPr lang="en-US"/>
               <a:t>Click to edit Master text styles</a:t>
             </a:r>
           </a:p>
           <a:p>
             <a:pPr lvl="1"/>
             <a:r>
-              <a:rPr lang="en-US" smtClean="0"/>
+              <a:rPr lang="en-US"/>
               <a:t>Second level</a:t>
             </a:r>
           </a:p>
           <a:p>
             <a:pPr lvl="2"/>
             <a:r>
-              <a:rPr lang="en-US" smtClean="0"/>
+              <a:rPr lang="en-US"/>
               <a:t>Third level</a:t>
             </a:r>
           </a:p>
           <a:p>
             <a:pPr lvl="3"/>
             <a:r>
-              <a:rPr lang="en-US" smtClean="0"/>
+              <a:rPr lang="en-US"/>
               <a:t>Fourth level</a:t>
             </a:r>
           </a:p>
           <a:p>
             <a:pPr lvl="4"/>
             <a:r>
-              <a:rPr lang="en-US" smtClean="0"/>
+              <a:rPr lang="en-US"/>
               <a:t>Fifth level</a:t>
             </a:r>
             <a:endParaRPr lang="en-US" dirty="0"/>
@@ -3299,7 +3304,7 @@
           <a:p>
             <a:fld id="{9BB148B8-0FC1-408D-BBC1-33D0C804FDBC}" type="datetimeFigureOut">
               <a:rPr lang="da-DK" smtClean="0"/>
-              <a:t>12-12-2016</a:t>
+              <a:t>13-12-2016</a:t>
             </a:fld>
             <a:endParaRPr lang="da-DK"/>
           </a:p>
@@ -3346,7 +3351,7 @@
           <a:p>
             <a:fld id="{687775F7-D4DB-4C21-9B7B-4C9153F6F4A0}" type="slidenum">
               <a:rPr lang="da-DK" smtClean="0"/>
-              <a:t>‹#›</a:t>
+              <a:t>‹nr.›</a:t>
             </a:fld>
             <a:endParaRPr lang="da-DK"/>
           </a:p>
@@ -3407,7 +3412,7 @@
           </a:lstStyle>
           <a:p>
             <a:r>
-              <a:rPr lang="en-US" smtClean="0"/>
+              <a:rPr lang="en-US"/>
               <a:t>Click to edit Master title style</a:t>
             </a:r>
             <a:endParaRPr lang="en-US" dirty="0"/>
@@ -3527,7 +3532,7 @@
           <a:p>
             <a:pPr lvl="0"/>
             <a:r>
-              <a:rPr lang="en-US" smtClean="0"/>
+              <a:rPr lang="en-US"/>
               <a:t>Click to edit Master text styles</a:t>
             </a:r>
           </a:p>
@@ -3550,7 +3555,7 @@
           <a:p>
             <a:fld id="{9BB148B8-0FC1-408D-BBC1-33D0C804FDBC}" type="datetimeFigureOut">
               <a:rPr lang="da-DK" smtClean="0"/>
-              <a:t>12-12-2016</a:t>
+              <a:t>13-12-2016</a:t>
             </a:fld>
             <a:endParaRPr lang="da-DK"/>
           </a:p>
@@ -3592,7 +3597,7 @@
           <a:p>
             <a:fld id="{687775F7-D4DB-4C21-9B7B-4C9153F6F4A0}" type="slidenum">
               <a:rPr lang="da-DK" smtClean="0"/>
-              <a:t>‹#›</a:t>
+              <a:t>‹nr.›</a:t>
             </a:fld>
             <a:endParaRPr lang="da-DK"/>
           </a:p>
@@ -3649,7 +3654,7 @@
           <a:lstStyle/>
           <a:p>
             <a:r>
-              <a:rPr lang="en-US" smtClean="0"/>
+              <a:rPr lang="en-US"/>
               <a:t>Click to edit Master title style</a:t>
             </a:r>
             <a:endParaRPr lang="en-US" dirty="0"/>
@@ -3708,35 +3713,35 @@
           <a:p>
             <a:pPr lvl="0"/>
             <a:r>
-              <a:rPr lang="en-US" smtClean="0"/>
+              <a:rPr lang="en-US"/>
               <a:t>Click to edit Master text styles</a:t>
             </a:r>
           </a:p>
           <a:p>
             <a:pPr lvl="1"/>
             <a:r>
-              <a:rPr lang="en-US" smtClean="0"/>
+              <a:rPr lang="en-US"/>
               <a:t>Second level</a:t>
             </a:r>
           </a:p>
           <a:p>
             <a:pPr lvl="2"/>
             <a:r>
-              <a:rPr lang="en-US" smtClean="0"/>
+              <a:rPr lang="en-US"/>
               <a:t>Third level</a:t>
             </a:r>
           </a:p>
           <a:p>
             <a:pPr lvl="3"/>
             <a:r>
-              <a:rPr lang="en-US" smtClean="0"/>
+              <a:rPr lang="en-US"/>
               <a:t>Fourth level</a:t>
             </a:r>
           </a:p>
           <a:p>
             <a:pPr lvl="4"/>
             <a:r>
-              <a:rPr lang="en-US" smtClean="0"/>
+              <a:rPr lang="en-US"/>
               <a:t>Fifth level</a:t>
             </a:r>
             <a:endParaRPr lang="en-US" dirty="0"/>
@@ -3795,35 +3800,35 @@
           <a:p>
             <a:pPr lvl="0"/>
             <a:r>
-              <a:rPr lang="en-US" smtClean="0"/>
+              <a:rPr lang="en-US"/>
               <a:t>Click to edit Master text styles</a:t>
             </a:r>
           </a:p>
           <a:p>
             <a:pPr lvl="1"/>
             <a:r>
-              <a:rPr lang="en-US" smtClean="0"/>
+              <a:rPr lang="en-US"/>
               <a:t>Second level</a:t>
             </a:r>
           </a:p>
           <a:p>
             <a:pPr lvl="2"/>
             <a:r>
-              <a:rPr lang="en-US" smtClean="0"/>
+              <a:rPr lang="en-US"/>
               <a:t>Third level</a:t>
             </a:r>
           </a:p>
           <a:p>
             <a:pPr lvl="3"/>
             <a:r>
-              <a:rPr lang="en-US" smtClean="0"/>
+              <a:rPr lang="en-US"/>
               <a:t>Fourth level</a:t>
             </a:r>
           </a:p>
           <a:p>
             <a:pPr lvl="4"/>
             <a:r>
-              <a:rPr lang="en-US" smtClean="0"/>
+              <a:rPr lang="en-US"/>
               <a:t>Fifth level</a:t>
             </a:r>
             <a:endParaRPr lang="en-US" dirty="0"/>
@@ -3847,7 +3852,7 @@
           <a:p>
             <a:fld id="{9BB148B8-0FC1-408D-BBC1-33D0C804FDBC}" type="datetimeFigureOut">
               <a:rPr lang="da-DK" smtClean="0"/>
-              <a:t>12-12-2016</a:t>
+              <a:t>13-12-2016</a:t>
             </a:fld>
             <a:endParaRPr lang="da-DK"/>
           </a:p>
@@ -3889,7 +3894,7 @@
           <a:p>
             <a:fld id="{687775F7-D4DB-4C21-9B7B-4C9153F6F4A0}" type="slidenum">
               <a:rPr lang="da-DK" smtClean="0"/>
-              <a:t>‹#›</a:t>
+              <a:t>‹nr.›</a:t>
             </a:fld>
             <a:endParaRPr lang="da-DK"/>
           </a:p>
@@ -3945,7 +3950,7 @@
           </a:lstStyle>
           <a:p>
             <a:r>
-              <a:rPr lang="en-US" smtClean="0"/>
+              <a:rPr lang="en-US"/>
               <a:t>Click to edit Master title style</a:t>
             </a:r>
             <a:endParaRPr lang="en-US" dirty="0"/>
@@ -4019,7 +4024,7 @@
           <a:p>
             <a:pPr lvl="0"/>
             <a:r>
-              <a:rPr lang="en-US" smtClean="0"/>
+              <a:rPr lang="en-US"/>
               <a:t>Click to edit Master text styles</a:t>
             </a:r>
           </a:p>
@@ -4077,35 +4082,35 @@
           <a:p>
             <a:pPr lvl="0"/>
             <a:r>
-              <a:rPr lang="en-US" smtClean="0"/>
+              <a:rPr lang="en-US"/>
               <a:t>Click to edit Master text styles</a:t>
             </a:r>
           </a:p>
           <a:p>
             <a:pPr lvl="1"/>
             <a:r>
-              <a:rPr lang="en-US" smtClean="0"/>
+              <a:rPr lang="en-US"/>
               <a:t>Second level</a:t>
             </a:r>
           </a:p>
           <a:p>
             <a:pPr lvl="2"/>
             <a:r>
-              <a:rPr lang="en-US" smtClean="0"/>
+              <a:rPr lang="en-US"/>
               <a:t>Third level</a:t>
             </a:r>
           </a:p>
           <a:p>
             <a:pPr lvl="3"/>
             <a:r>
-              <a:rPr lang="en-US" smtClean="0"/>
+              <a:rPr lang="en-US"/>
               <a:t>Fourth level</a:t>
             </a:r>
           </a:p>
           <a:p>
             <a:pPr lvl="4"/>
             <a:r>
-              <a:rPr lang="en-US" smtClean="0"/>
+              <a:rPr lang="en-US"/>
               <a:t>Fifth level</a:t>
             </a:r>
             <a:endParaRPr lang="en-US" dirty="0"/>
@@ -4179,7 +4184,7 @@
           <a:p>
             <a:pPr lvl="0"/>
             <a:r>
-              <a:rPr lang="en-US" smtClean="0"/>
+              <a:rPr lang="en-US"/>
               <a:t>Click to edit Master text styles</a:t>
             </a:r>
           </a:p>
@@ -4237,35 +4242,35 @@
           <a:p>
             <a:pPr lvl="0"/>
             <a:r>
-              <a:rPr lang="en-US" smtClean="0"/>
+              <a:rPr lang="en-US"/>
               <a:t>Click to edit Master text styles</a:t>
             </a:r>
           </a:p>
           <a:p>
             <a:pPr lvl="1"/>
             <a:r>
-              <a:rPr lang="en-US" smtClean="0"/>
+              <a:rPr lang="en-US"/>
               <a:t>Second level</a:t>
             </a:r>
           </a:p>
           <a:p>
             <a:pPr lvl="2"/>
             <a:r>
-              <a:rPr lang="en-US" smtClean="0"/>
+              <a:rPr lang="en-US"/>
               <a:t>Third level</a:t>
             </a:r>
           </a:p>
           <a:p>
             <a:pPr lvl="3"/>
             <a:r>
-              <a:rPr lang="en-US" smtClean="0"/>
+              <a:rPr lang="en-US"/>
               <a:t>Fourth level</a:t>
             </a:r>
           </a:p>
           <a:p>
             <a:pPr lvl="4"/>
             <a:r>
-              <a:rPr lang="en-US" smtClean="0"/>
+              <a:rPr lang="en-US"/>
               <a:t>Fifth level</a:t>
             </a:r>
             <a:endParaRPr lang="en-US" dirty="0"/>
@@ -4289,7 +4294,7 @@
           <a:p>
             <a:fld id="{9BB148B8-0FC1-408D-BBC1-33D0C804FDBC}" type="datetimeFigureOut">
               <a:rPr lang="da-DK" smtClean="0"/>
-              <a:t>12-12-2016</a:t>
+              <a:t>13-12-2016</a:t>
             </a:fld>
             <a:endParaRPr lang="da-DK"/>
           </a:p>
@@ -4331,7 +4336,7 @@
           <a:p>
             <a:fld id="{687775F7-D4DB-4C21-9B7B-4C9153F6F4A0}" type="slidenum">
               <a:rPr lang="da-DK" smtClean="0"/>
-              <a:t>‹#›</a:t>
+              <a:t>‹nr.›</a:t>
             </a:fld>
             <a:endParaRPr lang="da-DK"/>
           </a:p>
@@ -4383,7 +4388,7 @@
           <a:lstStyle/>
           <a:p>
             <a:r>
-              <a:rPr lang="en-US" smtClean="0"/>
+              <a:rPr lang="en-US"/>
               <a:t>Click to edit Master title style</a:t>
             </a:r>
             <a:endParaRPr lang="en-US" dirty="0"/>
@@ -4407,7 +4412,7 @@
           <a:p>
             <a:fld id="{9BB148B8-0FC1-408D-BBC1-33D0C804FDBC}" type="datetimeFigureOut">
               <a:rPr lang="da-DK" smtClean="0"/>
-              <a:t>12-12-2016</a:t>
+              <a:t>13-12-2016</a:t>
             </a:fld>
             <a:endParaRPr lang="da-DK"/>
           </a:p>
@@ -4449,7 +4454,7 @@
           <a:p>
             <a:fld id="{687775F7-D4DB-4C21-9B7B-4C9153F6F4A0}" type="slidenum">
               <a:rPr lang="da-DK" smtClean="0"/>
-              <a:t>‹#›</a:t>
+              <a:t>‹nr.›</a:t>
             </a:fld>
             <a:endParaRPr lang="da-DK"/>
           </a:p>
@@ -4502,7 +4507,7 @@
           <a:p>
             <a:fld id="{9BB148B8-0FC1-408D-BBC1-33D0C804FDBC}" type="datetimeFigureOut">
               <a:rPr lang="da-DK" smtClean="0"/>
-              <a:t>12-12-2016</a:t>
+              <a:t>13-12-2016</a:t>
             </a:fld>
             <a:endParaRPr lang="da-DK"/>
           </a:p>
@@ -4544,7 +4549,7 @@
           <a:p>
             <a:fld id="{687775F7-D4DB-4C21-9B7B-4C9153F6F4A0}" type="slidenum">
               <a:rPr lang="da-DK" smtClean="0"/>
-              <a:t>‹#›</a:t>
+              <a:t>‹nr.›</a:t>
             </a:fld>
             <a:endParaRPr lang="da-DK"/>
           </a:p>
@@ -4607,7 +4612,7 @@
           </a:lstStyle>
           <a:p>
             <a:r>
-              <a:rPr lang="en-US" smtClean="0"/>
+              <a:rPr lang="en-US"/>
               <a:t>Click to edit Master title style</a:t>
             </a:r>
             <a:endParaRPr lang="en-US" dirty="0"/>
@@ -4666,35 +4671,35 @@
           <a:p>
             <a:pPr lvl="0"/>
             <a:r>
-              <a:rPr lang="en-US" smtClean="0"/>
+              <a:rPr lang="en-US"/>
               <a:t>Click to edit Master text styles</a:t>
             </a:r>
           </a:p>
           <a:p>
             <a:pPr lvl="1"/>
             <a:r>
-              <a:rPr lang="en-US" smtClean="0"/>
+              <a:rPr lang="en-US"/>
               <a:t>Second level</a:t>
             </a:r>
           </a:p>
           <a:p>
             <a:pPr lvl="2"/>
             <a:r>
-              <a:rPr lang="en-US" smtClean="0"/>
+              <a:rPr lang="en-US"/>
               <a:t>Third level</a:t>
             </a:r>
           </a:p>
           <a:p>
             <a:pPr lvl="3"/>
             <a:r>
-              <a:rPr lang="en-US" smtClean="0"/>
+              <a:rPr lang="en-US"/>
               <a:t>Fourth level</a:t>
             </a:r>
           </a:p>
           <a:p>
             <a:pPr lvl="4"/>
             <a:r>
-              <a:rPr lang="en-US" smtClean="0"/>
+              <a:rPr lang="en-US"/>
               <a:t>Fifth level</a:t>
             </a:r>
             <a:endParaRPr lang="en-US" dirty="0"/>
@@ -4762,7 +4767,7 @@
           <a:p>
             <a:pPr lvl="0"/>
             <a:r>
-              <a:rPr lang="en-US" smtClean="0"/>
+              <a:rPr lang="en-US"/>
               <a:t>Click to edit Master text styles</a:t>
             </a:r>
           </a:p>
@@ -4785,7 +4790,7 @@
           <a:p>
             <a:fld id="{9BB148B8-0FC1-408D-BBC1-33D0C804FDBC}" type="datetimeFigureOut">
               <a:rPr lang="da-DK" smtClean="0"/>
-              <a:t>12-12-2016</a:t>
+              <a:t>13-12-2016</a:t>
             </a:fld>
             <a:endParaRPr lang="da-DK"/>
           </a:p>
@@ -4827,7 +4832,7 @@
           <a:p>
             <a:fld id="{687775F7-D4DB-4C21-9B7B-4C9153F6F4A0}" type="slidenum">
               <a:rPr lang="da-DK" smtClean="0"/>
-              <a:t>‹#›</a:t>
+              <a:t>‹nr.›</a:t>
             </a:fld>
             <a:endParaRPr lang="da-DK"/>
           </a:p>
@@ -4890,7 +4895,7 @@
           </a:lstStyle>
           <a:p>
             <a:r>
-              <a:rPr lang="en-US" smtClean="0"/>
+              <a:rPr lang="en-US"/>
               <a:t>Click to edit Master title style</a:t>
             </a:r>
             <a:endParaRPr lang="en-US" dirty="0"/>
@@ -4985,7 +4990,7 @@
           </a:lstStyle>
           <a:p>
             <a:r>
-              <a:rPr lang="en-US" smtClean="0"/>
+              <a:rPr lang="en-US"/>
               <a:t>Click icon to add picture</a:t>
             </a:r>
             <a:endParaRPr lang="en-US" dirty="0"/>
@@ -5053,7 +5058,7 @@
           <a:p>
             <a:pPr lvl="0"/>
             <a:r>
-              <a:rPr lang="en-US" smtClean="0"/>
+              <a:rPr lang="en-US"/>
               <a:t>Click to edit Master text styles</a:t>
             </a:r>
           </a:p>
@@ -5076,7 +5081,7 @@
           <a:p>
             <a:fld id="{9BB148B8-0FC1-408D-BBC1-33D0C804FDBC}" type="datetimeFigureOut">
               <a:rPr lang="da-DK" smtClean="0"/>
-              <a:t>12-12-2016</a:t>
+              <a:t>13-12-2016</a:t>
             </a:fld>
             <a:endParaRPr lang="da-DK"/>
           </a:p>
@@ -5118,7 +5123,7 @@
           <a:p>
             <a:fld id="{687775F7-D4DB-4C21-9B7B-4C9153F6F4A0}" type="slidenum">
               <a:rPr lang="da-DK" smtClean="0"/>
-              <a:t>‹#›</a:t>
+              <a:t>‹nr.›</a:t>
             </a:fld>
             <a:endParaRPr lang="da-DK"/>
           </a:p>
@@ -5502,7 +5507,7 @@
           <a:lstStyle/>
           <a:p>
             <a:r>
-              <a:rPr lang="en-US" smtClean="0"/>
+              <a:rPr lang="en-US"/>
               <a:t>Click to edit Master title style</a:t>
             </a:r>
             <a:endParaRPr lang="en-US" dirty="0"/>
@@ -5536,35 +5541,35 @@
           <a:p>
             <a:pPr lvl="0"/>
             <a:r>
-              <a:rPr lang="en-US" smtClean="0"/>
+              <a:rPr lang="en-US"/>
               <a:t>Click to edit Master text styles</a:t>
             </a:r>
           </a:p>
           <a:p>
             <a:pPr lvl="1"/>
             <a:r>
-              <a:rPr lang="en-US" smtClean="0"/>
+              <a:rPr lang="en-US"/>
               <a:t>Second level</a:t>
             </a:r>
           </a:p>
           <a:p>
             <a:pPr lvl="2"/>
             <a:r>
-              <a:rPr lang="en-US" smtClean="0"/>
+              <a:rPr lang="en-US"/>
               <a:t>Third level</a:t>
             </a:r>
           </a:p>
           <a:p>
             <a:pPr lvl="3"/>
             <a:r>
-              <a:rPr lang="en-US" smtClean="0"/>
+              <a:rPr lang="en-US"/>
               <a:t>Fourth level</a:t>
             </a:r>
           </a:p>
           <a:p>
             <a:pPr lvl="4"/>
             <a:r>
-              <a:rPr lang="en-US" smtClean="0"/>
+              <a:rPr lang="en-US"/>
               <a:t>Fifth level</a:t>
             </a:r>
             <a:endParaRPr lang="en-US" dirty="0"/>
@@ -5606,7 +5611,7 @@
           <a:p>
             <a:fld id="{9BB148B8-0FC1-408D-BBC1-33D0C804FDBC}" type="datetimeFigureOut">
               <a:rPr lang="da-DK" smtClean="0"/>
-              <a:t>12-12-2016</a:t>
+              <a:t>13-12-2016</a:t>
             </a:fld>
             <a:endParaRPr lang="da-DK"/>
           </a:p>
@@ -5684,7 +5689,7 @@
           <a:p>
             <a:fld id="{687775F7-D4DB-4C21-9B7B-4C9153F6F4A0}" type="slidenum">
               <a:rPr lang="da-DK" smtClean="0"/>
-              <a:t>‹#›</a:t>
+              <a:t>‹nr.›</a:t>
             </a:fld>
             <a:endParaRPr lang="da-DK"/>
           </a:p>
@@ -6153,10 +6158,9 @@
           <a:lstStyle/>
           <a:p>
             <a:r>
-              <a:rPr lang="da-DK" dirty="0" smtClean="0"/>
+              <a:rPr lang="da-DK" dirty="0"/>
               <a:t>Normalisering</a:t>
             </a:r>
-            <a:endParaRPr lang="da-DK" dirty="0"/>
           </a:p>
         </p:txBody>
       </p:sp>
@@ -6225,10 +6229,9 @@
           <a:lstStyle/>
           <a:p>
             <a:r>
-              <a:rPr lang="da-DK" dirty="0" smtClean="0"/>
+              <a:rPr lang="da-DK" dirty="0"/>
               <a:t>Hvorfor bruge normalisering?</a:t>
             </a:r>
-            <a:endParaRPr lang="da-DK" dirty="0"/>
           </a:p>
         </p:txBody>
       </p:sp>
@@ -6248,22 +6251,21 @@
           <a:lstStyle/>
           <a:p>
             <a:r>
-              <a:rPr lang="da-DK" dirty="0" smtClean="0"/>
+              <a:rPr lang="da-DK" dirty="0"/>
               <a:t>Ændringer i database</a:t>
             </a:r>
           </a:p>
           <a:p>
             <a:r>
-              <a:rPr lang="da-DK" dirty="0" smtClean="0"/>
+              <a:rPr lang="da-DK" dirty="0"/>
               <a:t>Performance og maintainability</a:t>
             </a:r>
           </a:p>
           <a:p>
             <a:r>
-              <a:rPr lang="da-DK" dirty="0" smtClean="0"/>
+              <a:rPr lang="da-DK" dirty="0"/>
               <a:t>Normalformer</a:t>
             </a:r>
-            <a:endParaRPr lang="da-DK" dirty="0"/>
           </a:p>
         </p:txBody>
       </p:sp>
@@ -6313,10 +6315,9 @@
           <a:lstStyle/>
           <a:p>
             <a:r>
-              <a:rPr lang="da-DK" dirty="0" smtClean="0"/>
+              <a:rPr lang="da-DK" dirty="0"/>
               <a:t>1. Normalform</a:t>
             </a:r>
-            <a:endParaRPr lang="da-DK" dirty="0"/>
           </a:p>
         </p:txBody>
       </p:sp>
@@ -6341,16 +6342,8 @@
           <a:lstStyle/>
           <a:p>
             <a:r>
-              <a:rPr lang="da-DK" dirty="0" smtClean="0"/>
-              <a:t>Ingen </a:t>
-            </a:r>
-            <a:r>
               <a:rPr lang="da-DK" dirty="0"/>
-              <a:t>repeterende </a:t>
-            </a:r>
-            <a:r>
-              <a:rPr lang="da-DK" dirty="0" smtClean="0"/>
-              <a:t>felter</a:t>
+              <a:t>Ingen repeterende felter</a:t>
             </a:r>
           </a:p>
         </p:txBody>
@@ -6426,13 +6419,36 @@
           <a:lstStyle/>
           <a:p>
             <a:r>
-              <a:rPr lang="da-DK" dirty="0" smtClean="0"/>
+              <a:rPr lang="da-DK" dirty="0"/>
               <a:t>https://en.wikipedia.org/wiki/First_normal_form</a:t>
             </a:r>
-            <a:endParaRPr lang="da-DK" dirty="0"/>
-          </a:p>
-        </p:txBody>
-      </p:sp>
+          </a:p>
+        </p:txBody>
+      </p:sp>
+      <p:pic>
+        <p:nvPicPr>
+          <p:cNvPr id="7" name="Billede 6"/>
+          <p:cNvPicPr>
+            <a:picLocks noChangeAspect="1"/>
+          </p:cNvPicPr>
+          <p:nvPr/>
+        </p:nvPicPr>
+        <p:blipFill>
+          <a:blip r:embed="rId4"/>
+          <a:stretch>
+            <a:fillRect/>
+          </a:stretch>
+        </p:blipFill>
+        <p:spPr>
+          <a:xfrm>
+            <a:off x="427546" y="2713231"/>
+            <a:ext cx="5067300" cy="1352550"/>
+          </a:xfrm>
+          <a:prstGeom prst="rect">
+            <a:avLst/>
+          </a:prstGeom>
+        </p:spPr>
+      </p:pic>
     </p:spTree>
     <p:extLst>
       <p:ext uri="{BB962C8B-B14F-4D97-AF65-F5344CB8AC3E}">
@@ -6479,10 +6495,9 @@
           <a:lstStyle/>
           <a:p>
             <a:r>
-              <a:rPr lang="da-DK" dirty="0" smtClean="0"/>
+              <a:rPr lang="da-DK" dirty="0"/>
               <a:t>2. Normalform</a:t>
             </a:r>
-            <a:endParaRPr lang="da-DK" dirty="0"/>
           </a:p>
         </p:txBody>
       </p:sp>
@@ -6510,7 +6525,6 @@
               <a:rPr lang="da-DK" dirty="0"/>
               <a:t>Alle felter skal være funktionelt afhængig af primærnøgle</a:t>
             </a:r>
-            <a:endParaRPr lang="da-DK" dirty="0"/>
           </a:p>
         </p:txBody>
       </p:sp>
@@ -6561,10 +6575,9 @@
           <a:lstStyle/>
           <a:p>
             <a:r>
-              <a:rPr lang="da-DK" dirty="0" smtClean="0"/>
+              <a:rPr lang="da-DK" dirty="0"/>
               <a:t>http://www.balslev.io/programmering/database/normalisering-af-databaser/</a:t>
             </a:r>
-            <a:endParaRPr lang="da-DK" dirty="0"/>
           </a:p>
         </p:txBody>
       </p:sp>
@@ -6614,10 +6627,9 @@
           <a:lstStyle/>
           <a:p>
             <a:r>
-              <a:rPr lang="da-DK" dirty="0" smtClean="0"/>
+              <a:rPr lang="da-DK" dirty="0"/>
               <a:t>3. Normalform</a:t>
             </a:r>
-            <a:endParaRPr lang="da-DK" dirty="0"/>
           </a:p>
         </p:txBody>
       </p:sp>
@@ -6645,7 +6657,6 @@
               <a:rPr lang="da-DK" dirty="0"/>
               <a:t>Der må ikke findes felter uden for primærnøglen, som er indbyrdes afhængige.</a:t>
             </a:r>
-            <a:endParaRPr lang="da-DK" dirty="0"/>
           </a:p>
         </p:txBody>
       </p:sp>
@@ -6696,7 +6707,7 @@
           <a:lstStyle/>
           <a:p>
             <a:r>
-              <a:rPr lang="da-DK" dirty="0" smtClean="0"/>
+              <a:rPr lang="da-DK" dirty="0"/>
               <a:t>http://www.balslev.io/programmering/database/normalisering-af-databaser/</a:t>
             </a:r>
           </a:p>
@@ -6751,10 +6762,9 @@
           <a:lstStyle/>
           <a:p>
             <a:r>
-              <a:rPr lang="da-DK" dirty="0" smtClean="0"/>
+              <a:rPr lang="da-DK" dirty="0"/>
               <a:t>4. Normalform</a:t>
             </a:r>
-            <a:endParaRPr lang="da-DK" dirty="0"/>
           </a:p>
         </p:txBody>
       </p:sp>
@@ -6779,10 +6789,9 @@
           <a:lstStyle/>
           <a:p>
             <a:r>
-              <a:rPr lang="da-DK" dirty="0" smtClean="0"/>
+              <a:rPr lang="da-DK" dirty="0"/>
               <a:t>Multivalued dependencies </a:t>
             </a:r>
-            <a:endParaRPr lang="da-DK" dirty="0"/>
           </a:p>
         </p:txBody>
       </p:sp>
@@ -6811,8 +6820,20 @@
                 <a:tableStyleId>{5C22544A-7EE6-4342-B048-85BDC9FD1C3A}</a:tableStyleId>
               </a:tblPr>
               <a:tblGrid>
-                <a:gridCol w="2263482"/>
-                <a:gridCol w="1782043"/>
+                <a:gridCol w="2263482">
+                  <a:extLst>
+                    <a:ext uri="{9D8B030D-6E8A-4147-A177-3AD203B41FA5}">
+                      <a16:colId xmlns:a16="http://schemas.microsoft.com/office/drawing/2014/main" val="20000"/>
+                    </a:ext>
+                  </a:extLst>
+                </a:gridCol>
+                <a:gridCol w="1782043">
+                  <a:extLst>
+                    <a:ext uri="{9D8B030D-6E8A-4147-A177-3AD203B41FA5}">
+                      <a16:colId xmlns:a16="http://schemas.microsoft.com/office/drawing/2014/main" val="20001"/>
+                    </a:ext>
+                  </a:extLst>
+                </a:gridCol>
               </a:tblGrid>
               <a:tr h="500237">
                 <a:tc>
@@ -6873,6 +6894,11 @@
                   </a:txBody>
                   <a:tcPr marL="66355" marR="66355" marT="0" marB="0"/>
                 </a:tc>
+                <a:extLst>
+                  <a:ext uri="{0D108BD9-81ED-4DB2-BD59-A6C34878D82A}">
+                    <a16:rowId xmlns:a16="http://schemas.microsoft.com/office/drawing/2014/main" val="10000"/>
+                  </a:ext>
+                </a:extLst>
               </a:tr>
               <a:tr h="312648">
                 <a:tc>
@@ -6933,6 +6959,11 @@
                   </a:txBody>
                   <a:tcPr marL="66355" marR="66355" marT="0" marB="0"/>
                 </a:tc>
+                <a:extLst>
+                  <a:ext uri="{0D108BD9-81ED-4DB2-BD59-A6C34878D82A}">
+                    <a16:rowId xmlns:a16="http://schemas.microsoft.com/office/drawing/2014/main" val="10001"/>
+                  </a:ext>
+                </a:extLst>
               </a:tr>
               <a:tr h="312648">
                 <a:tc>
@@ -6993,6 +7024,11 @@
                   </a:txBody>
                   <a:tcPr marL="66355" marR="66355" marT="0" marB="0"/>
                 </a:tc>
+                <a:extLst>
+                  <a:ext uri="{0D108BD9-81ED-4DB2-BD59-A6C34878D82A}">
+                    <a16:rowId xmlns:a16="http://schemas.microsoft.com/office/drawing/2014/main" val="10002"/>
+                  </a:ext>
+                </a:extLst>
               </a:tr>
             </a:tbl>
           </a:graphicData>
@@ -7023,9 +7059,27 @@
                 <a:tableStyleId>{5C22544A-7EE6-4342-B048-85BDC9FD1C3A}</a:tableStyleId>
               </a:tblPr>
               <a:tblGrid>
-                <a:gridCol w="1607876"/>
-                <a:gridCol w="1625080"/>
-                <a:gridCol w="1307404"/>
+                <a:gridCol w="1607876">
+                  <a:extLst>
+                    <a:ext uri="{9D8B030D-6E8A-4147-A177-3AD203B41FA5}">
+                      <a16:colId xmlns:a16="http://schemas.microsoft.com/office/drawing/2014/main" val="20000"/>
+                    </a:ext>
+                  </a:extLst>
+                </a:gridCol>
+                <a:gridCol w="1625080">
+                  <a:extLst>
+                    <a:ext uri="{9D8B030D-6E8A-4147-A177-3AD203B41FA5}">
+                      <a16:colId xmlns:a16="http://schemas.microsoft.com/office/drawing/2014/main" val="20001"/>
+                    </a:ext>
+                  </a:extLst>
+                </a:gridCol>
+                <a:gridCol w="1307404">
+                  <a:extLst>
+                    <a:ext uri="{9D8B030D-6E8A-4147-A177-3AD203B41FA5}">
+                      <a16:colId xmlns:a16="http://schemas.microsoft.com/office/drawing/2014/main" val="20002"/>
+                    </a:ext>
+                  </a:extLst>
+                </a:gridCol>
               </a:tblGrid>
               <a:tr h="488774">
                 <a:tc>
@@ -7115,6 +7169,11 @@
                   </a:txBody>
                   <a:tcPr marL="68580" marR="68580" marT="0" marB="0"/>
                 </a:tc>
+                <a:extLst>
+                  <a:ext uri="{0D108BD9-81ED-4DB2-BD59-A6C34878D82A}">
+                    <a16:rowId xmlns:a16="http://schemas.microsoft.com/office/drawing/2014/main" val="10000"/>
+                  </a:ext>
+                </a:extLst>
               </a:tr>
               <a:tr h="284451">
                 <a:tc>
@@ -7204,6 +7263,11 @@
                   </a:txBody>
                   <a:tcPr marL="68580" marR="68580" marT="0" marB="0"/>
                 </a:tc>
+                <a:extLst>
+                  <a:ext uri="{0D108BD9-81ED-4DB2-BD59-A6C34878D82A}">
+                    <a16:rowId xmlns:a16="http://schemas.microsoft.com/office/drawing/2014/main" val="10001"/>
+                  </a:ext>
+                </a:extLst>
               </a:tr>
               <a:tr h="284451">
                 <a:tc>
@@ -7293,6 +7357,11 @@
                   </a:txBody>
                   <a:tcPr marL="68580" marR="68580" marT="0" marB="0"/>
                 </a:tc>
+                <a:extLst>
+                  <a:ext uri="{0D108BD9-81ED-4DB2-BD59-A6C34878D82A}">
+                    <a16:rowId xmlns:a16="http://schemas.microsoft.com/office/drawing/2014/main" val="10002"/>
+                  </a:ext>
+                </a:extLst>
               </a:tr>
               <a:tr h="284451">
                 <a:tc>
@@ -7382,6 +7451,11 @@
                   </a:txBody>
                   <a:tcPr marL="68580" marR="68580" marT="0" marB="0"/>
                 </a:tc>
+                <a:extLst>
+                  <a:ext uri="{0D108BD9-81ED-4DB2-BD59-A6C34878D82A}">
+                    <a16:rowId xmlns:a16="http://schemas.microsoft.com/office/drawing/2014/main" val="10003"/>
+                  </a:ext>
+                </a:extLst>
               </a:tr>
               <a:tr h="284451">
                 <a:tc>
@@ -7471,6 +7545,11 @@
                   </a:txBody>
                   <a:tcPr marL="68580" marR="68580" marT="0" marB="0"/>
                 </a:tc>
+                <a:extLst>
+                  <a:ext uri="{0D108BD9-81ED-4DB2-BD59-A6C34878D82A}">
+                    <a16:rowId xmlns:a16="http://schemas.microsoft.com/office/drawing/2014/main" val="10004"/>
+                  </a:ext>
+                </a:extLst>
               </a:tr>
             </a:tbl>
           </a:graphicData>
@@ -7501,8 +7580,20 @@
                 <a:tableStyleId>{5C22544A-7EE6-4342-B048-85BDC9FD1C3A}</a:tableStyleId>
               </a:tblPr>
               <a:tblGrid>
-                <a:gridCol w="2118749"/>
-                <a:gridCol w="2145654"/>
+                <a:gridCol w="2118749">
+                  <a:extLst>
+                    <a:ext uri="{9D8B030D-6E8A-4147-A177-3AD203B41FA5}">
+                      <a16:colId xmlns:a16="http://schemas.microsoft.com/office/drawing/2014/main" val="20000"/>
+                    </a:ext>
+                  </a:extLst>
+                </a:gridCol>
+                <a:gridCol w="2145654">
+                  <a:extLst>
+                    <a:ext uri="{9D8B030D-6E8A-4147-A177-3AD203B41FA5}">
+                      <a16:colId xmlns:a16="http://schemas.microsoft.com/office/drawing/2014/main" val="20001"/>
+                    </a:ext>
+                  </a:extLst>
+                </a:gridCol>
               </a:tblGrid>
               <a:tr h="375178">
                 <a:tc>
@@ -7563,6 +7654,11 @@
                   </a:txBody>
                   <a:tcPr marL="68580" marR="68580" marT="0" marB="0"/>
                 </a:tc>
+                <a:extLst>
+                  <a:ext uri="{0D108BD9-81ED-4DB2-BD59-A6C34878D82A}">
+                    <a16:rowId xmlns:a16="http://schemas.microsoft.com/office/drawing/2014/main" val="10000"/>
+                  </a:ext>
+                </a:extLst>
               </a:tr>
               <a:tr h="375178">
                 <a:tc>
@@ -7623,6 +7719,11 @@
                   </a:txBody>
                   <a:tcPr marL="68580" marR="68580" marT="0" marB="0"/>
                 </a:tc>
+                <a:extLst>
+                  <a:ext uri="{0D108BD9-81ED-4DB2-BD59-A6C34878D82A}">
+                    <a16:rowId xmlns:a16="http://schemas.microsoft.com/office/drawing/2014/main" val="10001"/>
+                  </a:ext>
+                </a:extLst>
               </a:tr>
               <a:tr h="375178">
                 <a:tc>
@@ -7683,6 +7784,11 @@
                   </a:txBody>
                   <a:tcPr marL="68580" marR="68580" marT="0" marB="0"/>
                 </a:tc>
+                <a:extLst>
+                  <a:ext uri="{0D108BD9-81ED-4DB2-BD59-A6C34878D82A}">
+                    <a16:rowId xmlns:a16="http://schemas.microsoft.com/office/drawing/2014/main" val="10002"/>
+                  </a:ext>
+                </a:extLst>
               </a:tr>
             </a:tbl>
           </a:graphicData>
